--- a/doc/design/build2/Architectural design.pptx
+++ b/doc/design/build2/Architectural design.pptx
@@ -292,7 +292,8 @@
           <a:p>
             <a:fld id="{F4D729A6-C5C1-426C-A0A0-813656AF1585}" type="datetimeFigureOut">
               <a:rPr lang="zh-CN" altLang="en-US" smtClean="0"/>
-              <a:t>2021/3/24</a:t>
+              <a:pPr/>
+              <a:t>2021/3/25</a:t>
             </a:fld>
             <a:endParaRPr lang="zh-CN" altLang="en-US"/>
           </a:p>
@@ -334,6 +335,7 @@
           <a:p>
             <a:fld id="{DE479C6A-2688-4380-9377-686969E769DB}" type="slidenum">
               <a:rPr lang="zh-CN" altLang="en-US" smtClean="0"/>
+              <a:pPr/>
               <a:t>‹#›</a:t>
             </a:fld>
             <a:endParaRPr lang="zh-CN" altLang="en-US"/>
@@ -457,7 +459,8 @@
           <a:p>
             <a:fld id="{F4D729A6-C5C1-426C-A0A0-813656AF1585}" type="datetimeFigureOut">
               <a:rPr lang="zh-CN" altLang="en-US" smtClean="0"/>
-              <a:t>2021/3/24</a:t>
+              <a:pPr/>
+              <a:t>2021/3/25</a:t>
             </a:fld>
             <a:endParaRPr lang="zh-CN" altLang="en-US"/>
           </a:p>
@@ -499,6 +502,7 @@
           <a:p>
             <a:fld id="{DE479C6A-2688-4380-9377-686969E769DB}" type="slidenum">
               <a:rPr lang="zh-CN" altLang="en-US" smtClean="0"/>
+              <a:pPr/>
               <a:t>‹#›</a:t>
             </a:fld>
             <a:endParaRPr lang="zh-CN" altLang="en-US"/>
@@ -632,7 +636,8 @@
           <a:p>
             <a:fld id="{F4D729A6-C5C1-426C-A0A0-813656AF1585}" type="datetimeFigureOut">
               <a:rPr lang="zh-CN" altLang="en-US" smtClean="0"/>
-              <a:t>2021/3/24</a:t>
+              <a:pPr/>
+              <a:t>2021/3/25</a:t>
             </a:fld>
             <a:endParaRPr lang="zh-CN" altLang="en-US"/>
           </a:p>
@@ -674,6 +679,7 @@
           <a:p>
             <a:fld id="{DE479C6A-2688-4380-9377-686969E769DB}" type="slidenum">
               <a:rPr lang="zh-CN" altLang="en-US" smtClean="0"/>
+              <a:pPr/>
               <a:t>‹#›</a:t>
             </a:fld>
             <a:endParaRPr lang="zh-CN" altLang="en-US"/>
@@ -797,7 +803,8 @@
           <a:p>
             <a:fld id="{F4D729A6-C5C1-426C-A0A0-813656AF1585}" type="datetimeFigureOut">
               <a:rPr lang="zh-CN" altLang="en-US" smtClean="0"/>
-              <a:t>2021/3/24</a:t>
+              <a:pPr/>
+              <a:t>2021/3/25</a:t>
             </a:fld>
             <a:endParaRPr lang="zh-CN" altLang="en-US"/>
           </a:p>
@@ -839,6 +846,7 @@
           <a:p>
             <a:fld id="{DE479C6A-2688-4380-9377-686969E769DB}" type="slidenum">
               <a:rPr lang="zh-CN" altLang="en-US" smtClean="0"/>
+              <a:pPr/>
               <a:t>‹#›</a:t>
             </a:fld>
             <a:endParaRPr lang="zh-CN" altLang="en-US"/>
@@ -1038,7 +1046,8 @@
           <a:p>
             <a:fld id="{F4D729A6-C5C1-426C-A0A0-813656AF1585}" type="datetimeFigureOut">
               <a:rPr lang="zh-CN" altLang="en-US" smtClean="0"/>
-              <a:t>2021/3/24</a:t>
+              <a:pPr/>
+              <a:t>2021/3/25</a:t>
             </a:fld>
             <a:endParaRPr lang="zh-CN" altLang="en-US"/>
           </a:p>
@@ -1080,6 +1089,7 @@
           <a:p>
             <a:fld id="{DE479C6A-2688-4380-9377-686969E769DB}" type="slidenum">
               <a:rPr lang="zh-CN" altLang="en-US" smtClean="0"/>
+              <a:pPr/>
               <a:t>‹#›</a:t>
             </a:fld>
             <a:endParaRPr lang="zh-CN" altLang="en-US"/>
@@ -1321,7 +1331,8 @@
           <a:p>
             <a:fld id="{F4D729A6-C5C1-426C-A0A0-813656AF1585}" type="datetimeFigureOut">
               <a:rPr lang="zh-CN" altLang="en-US" smtClean="0"/>
-              <a:t>2021/3/24</a:t>
+              <a:pPr/>
+              <a:t>2021/3/25</a:t>
             </a:fld>
             <a:endParaRPr lang="zh-CN" altLang="en-US"/>
           </a:p>
@@ -1363,6 +1374,7 @@
           <a:p>
             <a:fld id="{DE479C6A-2688-4380-9377-686969E769DB}" type="slidenum">
               <a:rPr lang="zh-CN" altLang="en-US" smtClean="0"/>
+              <a:pPr/>
               <a:t>‹#›</a:t>
             </a:fld>
             <a:endParaRPr lang="zh-CN" altLang="en-US"/>
@@ -1738,7 +1750,8 @@
           <a:p>
             <a:fld id="{F4D729A6-C5C1-426C-A0A0-813656AF1585}" type="datetimeFigureOut">
               <a:rPr lang="zh-CN" altLang="en-US" smtClean="0"/>
-              <a:t>2021/3/24</a:t>
+              <a:pPr/>
+              <a:t>2021/3/25</a:t>
             </a:fld>
             <a:endParaRPr lang="zh-CN" altLang="en-US"/>
           </a:p>
@@ -1780,6 +1793,7 @@
           <a:p>
             <a:fld id="{DE479C6A-2688-4380-9377-686969E769DB}" type="slidenum">
               <a:rPr lang="zh-CN" altLang="en-US" smtClean="0"/>
+              <a:pPr/>
               <a:t>‹#›</a:t>
             </a:fld>
             <a:endParaRPr lang="zh-CN" altLang="en-US"/>
@@ -1851,7 +1865,8 @@
           <a:p>
             <a:fld id="{F4D729A6-C5C1-426C-A0A0-813656AF1585}" type="datetimeFigureOut">
               <a:rPr lang="zh-CN" altLang="en-US" smtClean="0"/>
-              <a:t>2021/3/24</a:t>
+              <a:pPr/>
+              <a:t>2021/3/25</a:t>
             </a:fld>
             <a:endParaRPr lang="zh-CN" altLang="en-US"/>
           </a:p>
@@ -1893,6 +1908,7 @@
           <a:p>
             <a:fld id="{DE479C6A-2688-4380-9377-686969E769DB}" type="slidenum">
               <a:rPr lang="zh-CN" altLang="en-US" smtClean="0"/>
+              <a:pPr/>
               <a:t>‹#›</a:t>
             </a:fld>
             <a:endParaRPr lang="zh-CN" altLang="en-US"/>
@@ -1941,7 +1957,8 @@
           <a:p>
             <a:fld id="{F4D729A6-C5C1-426C-A0A0-813656AF1585}" type="datetimeFigureOut">
               <a:rPr lang="zh-CN" altLang="en-US" smtClean="0"/>
-              <a:t>2021/3/24</a:t>
+              <a:pPr/>
+              <a:t>2021/3/25</a:t>
             </a:fld>
             <a:endParaRPr lang="zh-CN" altLang="en-US"/>
           </a:p>
@@ -1983,6 +2000,7 @@
           <a:p>
             <a:fld id="{DE479C6A-2688-4380-9377-686969E769DB}" type="slidenum">
               <a:rPr lang="zh-CN" altLang="en-US" smtClean="0"/>
+              <a:pPr/>
               <a:t>‹#›</a:t>
             </a:fld>
             <a:endParaRPr lang="zh-CN" altLang="en-US"/>
@@ -2213,7 +2231,8 @@
           <a:p>
             <a:fld id="{F4D729A6-C5C1-426C-A0A0-813656AF1585}" type="datetimeFigureOut">
               <a:rPr lang="zh-CN" altLang="en-US" smtClean="0"/>
-              <a:t>2021/3/24</a:t>
+              <a:pPr/>
+              <a:t>2021/3/25</a:t>
             </a:fld>
             <a:endParaRPr lang="zh-CN" altLang="en-US"/>
           </a:p>
@@ -2255,6 +2274,7 @@
           <a:p>
             <a:fld id="{DE479C6A-2688-4380-9377-686969E769DB}" type="slidenum">
               <a:rPr lang="zh-CN" altLang="en-US" smtClean="0"/>
+              <a:pPr/>
               <a:t>‹#›</a:t>
             </a:fld>
             <a:endParaRPr lang="zh-CN" altLang="en-US"/>
@@ -2461,7 +2481,8 @@
           <a:p>
             <a:fld id="{F4D729A6-C5C1-426C-A0A0-813656AF1585}" type="datetimeFigureOut">
               <a:rPr lang="zh-CN" altLang="en-US" smtClean="0"/>
-              <a:t>2021/3/24</a:t>
+              <a:pPr/>
+              <a:t>2021/3/25</a:t>
             </a:fld>
             <a:endParaRPr lang="zh-CN" altLang="en-US"/>
           </a:p>
@@ -2503,6 +2524,7 @@
           <a:p>
             <a:fld id="{DE479C6A-2688-4380-9377-686969E769DB}" type="slidenum">
               <a:rPr lang="zh-CN" altLang="en-US" smtClean="0"/>
+              <a:pPr/>
               <a:t>‹#›</a:t>
             </a:fld>
             <a:endParaRPr lang="zh-CN" altLang="en-US"/>
@@ -2669,7 +2691,8 @@
           <a:p>
             <a:fld id="{F4D729A6-C5C1-426C-A0A0-813656AF1585}" type="datetimeFigureOut">
               <a:rPr lang="zh-CN" altLang="en-US" smtClean="0"/>
-              <a:t>2021/3/24</a:t>
+              <a:pPr/>
+              <a:t>2021/3/25</a:t>
             </a:fld>
             <a:endParaRPr lang="zh-CN" altLang="en-US"/>
           </a:p>
@@ -2747,6 +2770,7 @@
           <a:p>
             <a:fld id="{DE479C6A-2688-4380-9377-686969E769DB}" type="slidenum">
               <a:rPr lang="zh-CN" altLang="en-US" smtClean="0"/>
+              <a:pPr/>
               <a:t>‹#›</a:t>
             </a:fld>
             <a:endParaRPr lang="zh-CN" altLang="en-US"/>
@@ -3096,7 +3120,11 @@
           <a:bodyPr/>
           <a:lstStyle/>
           <a:p>
-            <a:endParaRPr lang="zh-CN" altLang="en-US"/>
+            <a:r>
+              <a:rPr lang="en-US" altLang="zh-CN" dirty="0" smtClean="0"/>
+              <a:t>Group 22</a:t>
+            </a:r>
+            <a:endParaRPr lang="zh-CN" altLang="en-US" dirty="0"/>
           </a:p>
         </p:txBody>
       </p:sp>
@@ -3147,7 +3175,11 @@
           <a:bodyPr/>
           <a:lstStyle/>
           <a:p>
-            <a:endParaRPr lang="zh-CN" altLang="en-US"/>
+            <a:r>
+              <a:rPr lang="en-US" altLang="zh-CN" dirty="0" smtClean="0"/>
+              <a:t> </a:t>
+            </a:r>
+            <a:endParaRPr lang="zh-CN" altLang="en-US" dirty="0"/>
           </a:p>
         </p:txBody>
       </p:sp>
@@ -3172,7 +3204,7 @@
       </p:sp>
       <p:pic>
         <p:nvPicPr>
-          <p:cNvPr id="1027" name="Picture 3" descr="D:\google-drive\study\Concordia\6441\pa\Warzone\doc\design\build2\architexture.jpg"/>
+          <p:cNvPr id="1026" name="Picture 2" descr="D:\google-drive\study\Concordia\6441\pa\Warzone\doc\design\build2\architecture.png"/>
           <p:cNvPicPr>
             <a:picLocks noChangeAspect="1" noChangeArrowheads="1"/>
           </p:cNvPicPr>
@@ -3187,8 +3219,8 @@
         </p:blipFill>
         <p:spPr bwMode="auto">
           <a:xfrm>
-            <a:off x="0" y="500042"/>
-            <a:ext cx="9072626" cy="5565673"/>
+            <a:off x="-1" y="642918"/>
+            <a:ext cx="8915499" cy="6215082"/>
           </a:xfrm>
           <a:prstGeom prst="rect">
             <a:avLst/>
@@ -3266,13 +3298,13 @@
           <a:bodyPr/>
           <a:lstStyle/>
           <a:p>
-            <a:endParaRPr lang="zh-CN" altLang="en-US"/>
+            <a:endParaRPr lang="zh-CN" altLang="en-US" dirty="0"/>
           </a:p>
         </p:txBody>
       </p:sp>
       <p:pic>
         <p:nvPicPr>
-          <p:cNvPr id="2050" name="Picture 2" descr="D:\google-drive\study\Concordia\6441\pa\Warzone\doc\design\build2\command pattern.jpg"/>
+          <p:cNvPr id="4" name="Picture 2" descr="D:\google-drive\study\Concordia\6441\pa\Warzone\doc\design\build2\command pattern.png"/>
           <p:cNvPicPr>
             <a:picLocks noChangeAspect="1" noChangeArrowheads="1"/>
           </p:cNvPicPr>
@@ -3287,8 +3319,8 @@
         </p:blipFill>
         <p:spPr bwMode="auto">
           <a:xfrm>
-            <a:off x="0" y="1500174"/>
-            <a:ext cx="9144000" cy="3076575"/>
+            <a:off x="0" y="1214422"/>
+            <a:ext cx="9144000" cy="4524376"/>
           </a:xfrm>
           <a:prstGeom prst="rect">
             <a:avLst/>
@@ -3372,7 +3404,7 @@
       </p:sp>
       <p:pic>
         <p:nvPicPr>
-          <p:cNvPr id="3074" name="Picture 2" descr="D:\google-drive\study\Concordia\6441\pa\Warzone\doc\design\build2\observer pattern.jpg"/>
+          <p:cNvPr id="4" name="Picture 2"/>
           <p:cNvPicPr>
             <a:picLocks noChangeAspect="1" noChangeArrowheads="1"/>
           </p:cNvPicPr>
@@ -3387,13 +3419,20 @@
         </p:blipFill>
         <p:spPr bwMode="auto">
           <a:xfrm>
-            <a:off x="571472" y="1643050"/>
-            <a:ext cx="8572528" cy="4799458"/>
+            <a:off x="0" y="1000108"/>
+            <a:ext cx="9286908" cy="5199415"/>
           </a:xfrm>
           <a:prstGeom prst="rect">
             <a:avLst/>
           </a:prstGeom>
           <a:noFill/>
+          <a:ln w="9525">
+            <a:noFill/>
+            <a:miter lim="800000"/>
+            <a:headEnd/>
+            <a:tailEnd/>
+          </a:ln>
+          <a:effectLst/>
         </p:spPr>
       </p:pic>
     </p:spTree>
@@ -3488,7 +3527,7 @@
         <p:spPr bwMode="auto">
           <a:xfrm>
             <a:off x="0" y="1000108"/>
-            <a:ext cx="8529663" cy="4786329"/>
+            <a:ext cx="9166238" cy="5143536"/>
           </a:xfrm>
           <a:prstGeom prst="rect">
             <a:avLst/>
